--- a/화면 설계서/8.라우팅 조회 페이지.pptx
+++ b/화면 설계서/8.라우팅 조회 페이지.pptx
@@ -4904,6 +4904,63 @@
           </a:p>
         </p:txBody>
       </p:sp>
+      <p:sp>
+        <p:nvSpPr>
+          <p:cNvPr id="3" name="사각형: 둥근 모서리 2">
+            <a:extLst>
+              <a:ext uri="{FF2B5EF4-FFF2-40B4-BE49-F238E27FC236}">
+                <a16:creationId xmlns:a16="http://schemas.microsoft.com/office/drawing/2014/main" id="{542C58DE-7101-DA53-EF01-0325F5175BD3}"/>
+              </a:ext>
+            </a:extLst>
+          </p:cNvPr>
+          <p:cNvSpPr/>
+          <p:nvPr/>
+        </p:nvSpPr>
+        <p:spPr>
+          <a:xfrm>
+            <a:off x="9010444" y="624511"/>
+            <a:ext cx="1718569" cy="286735"/>
+          </a:xfrm>
+          <a:prstGeom prst="roundRect">
+            <a:avLst/>
+          </a:prstGeom>
+          <a:solidFill>
+            <a:schemeClr val="accent1"/>
+          </a:solidFill>
+          <a:ln>
+            <a:noFill/>
+          </a:ln>
+        </p:spPr>
+        <p:style>
+          <a:lnRef idx="0">
+            <a:scrgbClr r="0" g="0" b="0"/>
+          </a:lnRef>
+          <a:fillRef idx="0">
+            <a:scrgbClr r="0" g="0" b="0"/>
+          </a:fillRef>
+          <a:effectRef idx="0">
+            <a:scrgbClr r="0" g="0" b="0"/>
+          </a:effectRef>
+          <a:fontRef idx="minor">
+            <a:schemeClr val="lt1"/>
+          </a:fontRef>
+        </p:style>
+        <p:txBody>
+          <a:bodyPr rtlCol="0" anchor="ctr"/>
+          <a:lstStyle/>
+          <a:p>
+            <a:pPr algn="ctr"/>
+            <a:r>
+              <a:rPr lang="en-US" altLang="ko-KR"/>
+              <a:t>+</a:t>
+            </a:r>
+            <a:r>
+              <a:rPr lang="ko-KR" altLang="en-US"/>
+              <a:t> 라우팅 등록</a:t>
+            </a:r>
+          </a:p>
+        </p:txBody>
+      </p:sp>
     </p:spTree>
     <p:extLst>
       <p:ext uri="{BB962C8B-B14F-4D97-AF65-F5344CB8AC3E}">
